--- a/ASMU432/ppts/LedZep.pptx
+++ b/ASMU432/ppts/LedZep.pptx
@@ -246,7 +246,7 @@
           <a:p>
             <a:fld id="{EDDF84C3-C653-4E47-8EBB-B788DF674C2F}" type="datetimeFigureOut">
               <a:rPr lang="en-US" smtClean="0"/>
-              <a:t>3/13/18</a:t>
+              <a:t>12/4/2018</a:t>
             </a:fld>
             <a:endParaRPr lang="en-US"/>
           </a:p>
@@ -414,7 +414,7 @@
           <a:p>
             <a:fld id="{EDDF84C3-C653-4E47-8EBB-B788DF674C2F}" type="datetimeFigureOut">
               <a:rPr lang="en-US" smtClean="0"/>
-              <a:t>3/13/18</a:t>
+              <a:t>12/4/2018</a:t>
             </a:fld>
             <a:endParaRPr lang="en-US"/>
           </a:p>
@@ -592,7 +592,7 @@
           <a:p>
             <a:fld id="{EDDF84C3-C653-4E47-8EBB-B788DF674C2F}" type="datetimeFigureOut">
               <a:rPr lang="en-US" smtClean="0"/>
-              <a:t>3/13/18</a:t>
+              <a:t>12/4/2018</a:t>
             </a:fld>
             <a:endParaRPr lang="en-US"/>
           </a:p>
@@ -760,7 +760,7 @@
           <a:p>
             <a:fld id="{EDDF84C3-C653-4E47-8EBB-B788DF674C2F}" type="datetimeFigureOut">
               <a:rPr lang="en-US" smtClean="0"/>
-              <a:t>3/13/18</a:t>
+              <a:t>12/4/2018</a:t>
             </a:fld>
             <a:endParaRPr lang="en-US"/>
           </a:p>
@@ -1005,7 +1005,7 @@
           <a:p>
             <a:fld id="{EDDF84C3-C653-4E47-8EBB-B788DF674C2F}" type="datetimeFigureOut">
               <a:rPr lang="en-US" smtClean="0"/>
-              <a:t>3/13/18</a:t>
+              <a:t>12/4/2018</a:t>
             </a:fld>
             <a:endParaRPr lang="en-US"/>
           </a:p>
@@ -1234,7 +1234,7 @@
           <a:p>
             <a:fld id="{EDDF84C3-C653-4E47-8EBB-B788DF674C2F}" type="datetimeFigureOut">
               <a:rPr lang="en-US" smtClean="0"/>
-              <a:t>3/13/18</a:t>
+              <a:t>12/4/2018</a:t>
             </a:fld>
             <a:endParaRPr lang="en-US"/>
           </a:p>
@@ -1598,7 +1598,7 @@
           <a:p>
             <a:fld id="{EDDF84C3-C653-4E47-8EBB-B788DF674C2F}" type="datetimeFigureOut">
               <a:rPr lang="en-US" smtClean="0"/>
-              <a:t>3/13/18</a:t>
+              <a:t>12/4/2018</a:t>
             </a:fld>
             <a:endParaRPr lang="en-US"/>
           </a:p>
@@ -1715,7 +1715,7 @@
           <a:p>
             <a:fld id="{EDDF84C3-C653-4E47-8EBB-B788DF674C2F}" type="datetimeFigureOut">
               <a:rPr lang="en-US" smtClean="0"/>
-              <a:t>3/13/18</a:t>
+              <a:t>12/4/2018</a:t>
             </a:fld>
             <a:endParaRPr lang="en-US"/>
           </a:p>
@@ -1810,7 +1810,7 @@
           <a:p>
             <a:fld id="{EDDF84C3-C653-4E47-8EBB-B788DF674C2F}" type="datetimeFigureOut">
               <a:rPr lang="en-US" smtClean="0"/>
-              <a:t>3/13/18</a:t>
+              <a:t>12/4/2018</a:t>
             </a:fld>
             <a:endParaRPr lang="en-US"/>
           </a:p>
@@ -2085,7 +2085,7 @@
           <a:p>
             <a:fld id="{EDDF84C3-C653-4E47-8EBB-B788DF674C2F}" type="datetimeFigureOut">
               <a:rPr lang="en-US" smtClean="0"/>
-              <a:t>3/13/18</a:t>
+              <a:t>12/4/2018</a:t>
             </a:fld>
             <a:endParaRPr lang="en-US"/>
           </a:p>
@@ -2337,7 +2337,7 @@
           <a:p>
             <a:fld id="{EDDF84C3-C653-4E47-8EBB-B788DF674C2F}" type="datetimeFigureOut">
               <a:rPr lang="en-US" smtClean="0"/>
-              <a:t>3/13/18</a:t>
+              <a:t>12/4/2018</a:t>
             </a:fld>
             <a:endParaRPr lang="en-US"/>
           </a:p>
@@ -2558,7 +2558,7 @@
           <a:p>
             <a:fld id="{EDDF84C3-C653-4E47-8EBB-B788DF674C2F}" type="datetimeFigureOut">
               <a:rPr lang="en-US" smtClean="0"/>
-              <a:t>3/13/18</a:t>
+              <a:t>12/4/2018</a:t>
             </a:fld>
             <a:endParaRPr lang="en-US"/>
           </a:p>
@@ -3100,15 +3100,7 @@
           <a:p>
             <a:r>
               <a:rPr lang="en-US" b="1" dirty="0"/>
-              <a:t>The “New </a:t>
-            </a:r>
-            <a:r>
-              <a:rPr lang="en-US" b="1" dirty="0" err="1"/>
-              <a:t>Yardbirds</a:t>
-            </a:r>
-            <a:r>
-              <a:rPr lang="en-US" b="1" dirty="0"/>
-              <a:t>” became “Led Zeppelin”, 1968</a:t>
+              <a:t>The "New Yardbirds" became "Led Zeppelin", 1968</a:t>
             </a:r>
           </a:p>
         </p:txBody>
@@ -3148,15 +3140,7 @@
           <a:p>
             <a:r>
               <a:rPr lang="en-US" dirty="0"/>
-              <a:t>Keith Moon and John </a:t>
-            </a:r>
-            <a:r>
-              <a:rPr lang="en-US" dirty="0" err="1"/>
-              <a:t>Entwistle</a:t>
-            </a:r>
-            <a:r>
-              <a:rPr lang="en-US" dirty="0"/>
-              <a:t> suggested "Lead Balloon".</a:t>
+              <a:t>Keith Moon and John Entwistle suggested "Lead Balloon".</a:t>
             </a:r>
           </a:p>
           <a:p>
@@ -3263,14 +3247,14 @@
             <a:pPr lvl="1"/>
             <a:r>
               <a:rPr lang="en-US" dirty="0"/>
-              <a:t>"Dazed and Confused“</a:t>
+              <a:t>"Dazed and Confused"</a:t>
             </a:r>
           </a:p>
           <a:p>
             <a:pPr lvl="1"/>
             <a:r>
               <a:rPr lang="en-US" dirty="0"/>
-              <a:t>"Good Times, Bad Times“</a:t>
+              <a:t>"Good Times, Bad Times"</a:t>
             </a:r>
           </a:p>
           <a:p>
@@ -3297,15 +3281,7 @@
             <a:pPr lvl="1"/>
             <a:r>
               <a:rPr lang="en-US" dirty="0"/>
-              <a:t>"Whole </a:t>
-            </a:r>
-            <a:r>
-              <a:rPr lang="en-US" dirty="0" err="1"/>
-              <a:t>Lotta</a:t>
-            </a:r>
-            <a:r>
-              <a:rPr lang="en-US" dirty="0"/>
-              <a:t> Love" </a:t>
+              <a:t>"Whole Lotta Love" </a:t>
             </a:r>
           </a:p>
           <a:p>
@@ -3326,7 +3302,7 @@
             <a:pPr lvl="1"/>
             <a:r>
               <a:rPr lang="en-US" dirty="0"/>
-              <a:t>"Ramble On“</a:t>
+              <a:t>"Ramble On"</a:t>
             </a:r>
           </a:p>
           <a:p>
@@ -3465,7 +3441,7 @@
         </p:spPr>
         <p:txBody>
           <a:bodyPr>
-            <a:normAutofit/>
+            <a:normAutofit lnSpcReduction="10000"/>
           </a:bodyPr>
           <a:lstStyle/>
           <a:p>
@@ -3530,7 +3506,7 @@
             <a:pPr lvl="1"/>
             <a:r>
               <a:rPr lang="en-US" dirty="0"/>
-              <a:t>"Rock and Roll“</a:t>
+              <a:t>"Rock and Roll"</a:t>
             </a:r>
           </a:p>
           <a:p>
@@ -3555,6 +3531,13 @@
             <a:r>
               <a:rPr lang="en-US" dirty="0"/>
               <a:t>"Going to California"</a:t>
+            </a:r>
+          </a:p>
+          <a:p>
+            <a:pPr lvl="1"/>
+            <a:r>
+              <a:rPr lang="en-US" dirty="0"/>
+              <a:t>"When the Levee Breaks"</a:t>
             </a:r>
           </a:p>
           <a:p>
@@ -3705,14 +3688,14 @@
             <a:pPr lvl="1"/>
             <a:r>
               <a:rPr lang="en-US" dirty="0"/>
-              <a:t>"The Rain Song," "No Quarter” </a:t>
+              <a:t>"The Rain Song," "No Quarter" </a:t>
             </a:r>
           </a:p>
           <a:p>
             <a:pPr lvl="1"/>
             <a:r>
               <a:rPr lang="en-US" dirty="0"/>
-              <a:t>“Over the Hills and Far Away” </a:t>
+              <a:t>"Over the Hills and Far Away" </a:t>
             </a:r>
           </a:p>
           <a:p>
@@ -3735,7 +3718,7 @@
             </a:r>
             <a:r>
               <a:rPr lang="en-US" dirty="0"/>
-              <a:t>“</a:t>
+              <a:t>"</a:t>
             </a:r>
           </a:p>
           <a:p>
@@ -3761,7 +3744,7 @@
           <a:p>
             <a:r>
               <a:rPr lang="en-US" dirty="0"/>
-              <a:t>“Trampled Underfoot”</a:t>
+              <a:t>"Trampled Underfoot"</a:t>
             </a:r>
           </a:p>
           <a:p>
@@ -3965,14 +3948,14 @@
             <a:pPr lvl="1"/>
             <a:r>
               <a:rPr lang="en-US" dirty="0"/>
-              <a:t>“Fool in the Rain”</a:t>
+              <a:t>"Fool in the Rain"</a:t>
             </a:r>
           </a:p>
           <a:p>
             <a:pPr lvl="1"/>
             <a:r>
               <a:rPr lang="en-US" dirty="0"/>
-              <a:t>“All of My Love”</a:t>
+              <a:t>"All of My Love"</a:t>
             </a:r>
           </a:p>
           <a:p>

--- a/ASMU432/ppts/LedZep.pptx
+++ b/ASMU432/ppts/LedZep.pptx
@@ -117,6 +117,88 @@
 </p:presentation>
 </file>
 
+<file path=ppt/revisionInfo.xml><?xml version="1.0" encoding="utf-8"?>
+<p1510:revInfo xmlns:a="http://schemas.openxmlformats.org/drawingml/2006/main" xmlns:r="http://schemas.openxmlformats.org/officeDocument/2006/relationships" xmlns:p1510="http://schemas.microsoft.com/office/powerpoint/2015/10/main">
+  <p1510:revLst>
+    <p1510:client id="{6A96C226-63D8-4DA6-8A6C-6DC4096CFF3C}" v="3" dt="2019-11-07T00:20:12.941"/>
+  </p1510:revLst>
+</p1510:revInfo>
+</file>
+
+<file path=ppt/changesInfos/changesInfo1.xml><?xml version="1.0" encoding="utf-8"?>
+<pc:chgInfo xmlns:a="http://schemas.openxmlformats.org/drawingml/2006/main" xmlns:r="http://schemas.openxmlformats.org/officeDocument/2006/relationships" xmlns:ac="http://schemas.microsoft.com/office/drawing/2013/main/command" xmlns:pc="http://schemas.microsoft.com/office/powerpoint/2013/main/command">
+  <pc:docChgLst>
+    <pc:chgData name="Mark Baker" userId="7debe814d9197520" providerId="LiveId" clId="{6A96C226-63D8-4DA6-8A6C-6DC4096CFF3C}"/>
+    <pc:docChg chg="custSel modSld">
+      <pc:chgData name="Mark Baker" userId="7debe814d9197520" providerId="LiveId" clId="{6A96C226-63D8-4DA6-8A6C-6DC4096CFF3C}" dt="2019-11-07T00:20:13.002" v="15" actId="27636"/>
+      <pc:docMkLst>
+        <pc:docMk/>
+      </pc:docMkLst>
+      <pc:sldChg chg="modSp">
+        <pc:chgData name="Mark Baker" userId="7debe814d9197520" providerId="LiveId" clId="{6A96C226-63D8-4DA6-8A6C-6DC4096CFF3C}" dt="2019-11-07T00:14:48.584" v="1" actId="20577"/>
+        <pc:sldMkLst>
+          <pc:docMk/>
+          <pc:sldMk cId="451807811" sldId="258"/>
+        </pc:sldMkLst>
+        <pc:spChg chg="mod">
+          <ac:chgData name="Mark Baker" userId="7debe814d9197520" providerId="LiveId" clId="{6A96C226-63D8-4DA6-8A6C-6DC4096CFF3C}" dt="2019-11-07T00:14:48.584" v="1" actId="20577"/>
+          <ac:spMkLst>
+            <pc:docMk/>
+            <pc:sldMk cId="451807811" sldId="258"/>
+            <ac:spMk id="3" creationId="{00000000-0000-0000-0000-000000000000}"/>
+          </ac:spMkLst>
+        </pc:spChg>
+      </pc:sldChg>
+      <pc:sldChg chg="modSp">
+        <pc:chgData name="Mark Baker" userId="7debe814d9197520" providerId="LiveId" clId="{6A96C226-63D8-4DA6-8A6C-6DC4096CFF3C}" dt="2019-11-06T04:55:32.933" v="0" actId="20577"/>
+        <pc:sldMkLst>
+          <pc:docMk/>
+          <pc:sldMk cId="3011534913" sldId="259"/>
+        </pc:sldMkLst>
+        <pc:spChg chg="mod">
+          <ac:chgData name="Mark Baker" userId="7debe814d9197520" providerId="LiveId" clId="{6A96C226-63D8-4DA6-8A6C-6DC4096CFF3C}" dt="2019-11-06T04:55:32.933" v="0" actId="20577"/>
+          <ac:spMkLst>
+            <pc:docMk/>
+            <pc:sldMk cId="3011534913" sldId="259"/>
+            <ac:spMk id="3" creationId="{00000000-0000-0000-0000-000000000000}"/>
+          </ac:spMkLst>
+        </pc:spChg>
+      </pc:sldChg>
+      <pc:sldChg chg="modSp">
+        <pc:chgData name="Mark Baker" userId="7debe814d9197520" providerId="LiveId" clId="{6A96C226-63D8-4DA6-8A6C-6DC4096CFF3C}" dt="2019-11-07T00:16:04.876" v="5" actId="27636"/>
+        <pc:sldMkLst>
+          <pc:docMk/>
+          <pc:sldMk cId="873745536" sldId="260"/>
+        </pc:sldMkLst>
+        <pc:spChg chg="mod">
+          <ac:chgData name="Mark Baker" userId="7debe814d9197520" providerId="LiveId" clId="{6A96C226-63D8-4DA6-8A6C-6DC4096CFF3C}" dt="2019-11-07T00:16:04.876" v="5" actId="27636"/>
+          <ac:spMkLst>
+            <pc:docMk/>
+            <pc:sldMk cId="873745536" sldId="260"/>
+            <ac:spMk id="3" creationId="{00000000-0000-0000-0000-000000000000}"/>
+          </ac:spMkLst>
+        </pc:spChg>
+      </pc:sldChg>
+      <pc:sldChg chg="modSp">
+        <pc:chgData name="Mark Baker" userId="7debe814d9197520" providerId="LiveId" clId="{6A96C226-63D8-4DA6-8A6C-6DC4096CFF3C}" dt="2019-11-07T00:20:13.002" v="15" actId="27636"/>
+        <pc:sldMkLst>
+          <pc:docMk/>
+          <pc:sldMk cId="2864868926" sldId="261"/>
+        </pc:sldMkLst>
+        <pc:spChg chg="mod">
+          <ac:chgData name="Mark Baker" userId="7debe814d9197520" providerId="LiveId" clId="{6A96C226-63D8-4DA6-8A6C-6DC4096CFF3C}" dt="2019-11-07T00:20:13.002" v="15" actId="27636"/>
+          <ac:spMkLst>
+            <pc:docMk/>
+            <pc:sldMk cId="2864868926" sldId="261"/>
+            <ac:spMk id="3" creationId="{00000000-0000-0000-0000-000000000000}"/>
+          </ac:spMkLst>
+        </pc:spChg>
+      </pc:sldChg>
+    </pc:docChg>
+  </pc:docChgLst>
+</pc:chgInfo>
+</file>
+
 <file path=ppt/slideLayouts/slideLayout1.xml><?xml version="1.0" encoding="utf-8"?>
 <p:sldLayout xmlns:a="http://schemas.openxmlformats.org/drawingml/2006/main" xmlns:r="http://schemas.openxmlformats.org/officeDocument/2006/relationships" xmlns:p="http://schemas.openxmlformats.org/presentationml/2006/main" showMasterSp="0" type="title" preserve="1">
   <p:cSld name="Title Slide">
@@ -246,7 +328,7 @@
           <a:p>
             <a:fld id="{EDDF84C3-C653-4E47-8EBB-B788DF674C2F}" type="datetimeFigureOut">
               <a:rPr lang="en-US" smtClean="0"/>
-              <a:t>12/4/2018</a:t>
+              <a:t>11/6/2019</a:t>
             </a:fld>
             <a:endParaRPr lang="en-US"/>
           </a:p>
@@ -414,7 +496,7 @@
           <a:p>
             <a:fld id="{EDDF84C3-C653-4E47-8EBB-B788DF674C2F}" type="datetimeFigureOut">
               <a:rPr lang="en-US" smtClean="0"/>
-              <a:t>12/4/2018</a:t>
+              <a:t>11/6/2019</a:t>
             </a:fld>
             <a:endParaRPr lang="en-US"/>
           </a:p>
@@ -592,7 +674,7 @@
           <a:p>
             <a:fld id="{EDDF84C3-C653-4E47-8EBB-B788DF674C2F}" type="datetimeFigureOut">
               <a:rPr lang="en-US" smtClean="0"/>
-              <a:t>12/4/2018</a:t>
+              <a:t>11/6/2019</a:t>
             </a:fld>
             <a:endParaRPr lang="en-US"/>
           </a:p>
@@ -760,7 +842,7 @@
           <a:p>
             <a:fld id="{EDDF84C3-C653-4E47-8EBB-B788DF674C2F}" type="datetimeFigureOut">
               <a:rPr lang="en-US" smtClean="0"/>
-              <a:t>12/4/2018</a:t>
+              <a:t>11/6/2019</a:t>
             </a:fld>
             <a:endParaRPr lang="en-US"/>
           </a:p>
@@ -1005,7 +1087,7 @@
           <a:p>
             <a:fld id="{EDDF84C3-C653-4E47-8EBB-B788DF674C2F}" type="datetimeFigureOut">
               <a:rPr lang="en-US" smtClean="0"/>
-              <a:t>12/4/2018</a:t>
+              <a:t>11/6/2019</a:t>
             </a:fld>
             <a:endParaRPr lang="en-US"/>
           </a:p>
@@ -1234,7 +1316,7 @@
           <a:p>
             <a:fld id="{EDDF84C3-C653-4E47-8EBB-B788DF674C2F}" type="datetimeFigureOut">
               <a:rPr lang="en-US" smtClean="0"/>
-              <a:t>12/4/2018</a:t>
+              <a:t>11/6/2019</a:t>
             </a:fld>
             <a:endParaRPr lang="en-US"/>
           </a:p>
@@ -1598,7 +1680,7 @@
           <a:p>
             <a:fld id="{EDDF84C3-C653-4E47-8EBB-B788DF674C2F}" type="datetimeFigureOut">
               <a:rPr lang="en-US" smtClean="0"/>
-              <a:t>12/4/2018</a:t>
+              <a:t>11/6/2019</a:t>
             </a:fld>
             <a:endParaRPr lang="en-US"/>
           </a:p>
@@ -1715,7 +1797,7 @@
           <a:p>
             <a:fld id="{EDDF84C3-C653-4E47-8EBB-B788DF674C2F}" type="datetimeFigureOut">
               <a:rPr lang="en-US" smtClean="0"/>
-              <a:t>12/4/2018</a:t>
+              <a:t>11/6/2019</a:t>
             </a:fld>
             <a:endParaRPr lang="en-US"/>
           </a:p>
@@ -1810,7 +1892,7 @@
           <a:p>
             <a:fld id="{EDDF84C3-C653-4E47-8EBB-B788DF674C2F}" type="datetimeFigureOut">
               <a:rPr lang="en-US" smtClean="0"/>
-              <a:t>12/4/2018</a:t>
+              <a:t>11/6/2019</a:t>
             </a:fld>
             <a:endParaRPr lang="en-US"/>
           </a:p>
@@ -2085,7 +2167,7 @@
           <a:p>
             <a:fld id="{EDDF84C3-C653-4E47-8EBB-B788DF674C2F}" type="datetimeFigureOut">
               <a:rPr lang="en-US" smtClean="0"/>
-              <a:t>12/4/2018</a:t>
+              <a:t>11/6/2019</a:t>
             </a:fld>
             <a:endParaRPr lang="en-US"/>
           </a:p>
@@ -2337,7 +2419,7 @@
           <a:p>
             <a:fld id="{EDDF84C3-C653-4E47-8EBB-B788DF674C2F}" type="datetimeFigureOut">
               <a:rPr lang="en-US" smtClean="0"/>
-              <a:t>12/4/2018</a:t>
+              <a:t>11/6/2019</a:t>
             </a:fld>
             <a:endParaRPr lang="en-US"/>
           </a:p>
@@ -2558,7 +2640,7 @@
           <a:p>
             <a:fld id="{EDDF84C3-C653-4E47-8EBB-B788DF674C2F}" type="datetimeFigureOut">
               <a:rPr lang="en-US" smtClean="0"/>
-              <a:t>12/4/2018</a:t>
+              <a:t>11/6/2019</a:t>
             </a:fld>
             <a:endParaRPr lang="en-US"/>
           </a:p>
@@ -3308,25 +3390,16 @@
           <a:p>
             <a:pPr lvl="1"/>
             <a:r>
-              <a:rPr lang="en-US" dirty="0"/>
-              <a:t>https://</a:t>
-            </a:r>
-            <a:r>
-              <a:rPr lang="en-US" dirty="0" err="1"/>
-              <a:t>www.youtube.com</a:t>
-            </a:r>
-            <a:r>
-              <a:rPr lang="en-US" dirty="0"/>
-              <a:t>/</a:t>
-            </a:r>
-            <a:r>
-              <a:rPr lang="en-US" dirty="0" err="1"/>
-              <a:t>watch?v</a:t>
-            </a:r>
-            <a:r>
-              <a:rPr lang="en-US" dirty="0"/>
-              <a:t>=2bgKb45DBG0</a:t>
-            </a:r>
+              <a:rPr lang="en-US" dirty="0">
+                <a:hlinkClick r:id="rId3"/>
+              </a:rPr>
+              <a:t>https://www.youtube.com/watch?v=2bgKb45DBG0</a:t>
+            </a:r>
+            <a:endParaRPr lang="en-US" dirty="0"/>
+          </a:p>
+          <a:p>
+            <a:pPr lvl="1"/>
+            <a:endParaRPr lang="en-US" dirty="0"/>
           </a:p>
           <a:p>
             <a:pPr marL="0" indent="0">
@@ -3345,7 +3418,7 @@
           <p:nvPr/>
         </p:nvPicPr>
         <p:blipFill>
-          <a:blip r:embed="rId3">
+          <a:blip r:embed="rId4">
             <a:extLst>
               <a:ext uri="{28A0092B-C50C-407E-A947-70E740481C1C}">
                 <a14:useLocalDpi xmlns:a14="http://schemas.microsoft.com/office/drawing/2010/main" val="0"/>
@@ -3464,12 +3537,12 @@
           <a:p>
             <a:pPr lvl="1"/>
             <a:r>
-              <a:rPr lang="en-US" dirty="0">
+              <a:rPr lang="en-CA" dirty="0">
                 <a:hlinkClick r:id="rId2"/>
               </a:rPr>
-              <a:t>https://www.youtube.com/watch?v=F7cfiSa2xXo</a:t>
-            </a:r>
-            <a:endParaRPr lang="en-US" dirty="0"/>
+              <a:t>https://www.youtube.com/watch?v=17CsLvJS4cc</a:t>
+            </a:r>
+            <a:endParaRPr lang="en-CA" dirty="0"/>
           </a:p>
           <a:p>
             <a:pPr lvl="1"/>
@@ -3669,11 +3742,11 @@
             <a:pPr lvl="1"/>
             <a:r>
               <a:rPr lang="en-US" dirty="0"/>
-              <a:t>First with only originally composed </a:t>
-            </a:r>
-            <a:r>
-              <a:rPr lang="en-US" dirty="0" err="1"/>
-              <a:t>musics</a:t>
+              <a:t>First with only originally </a:t>
+            </a:r>
+            <a:r>
+              <a:rPr lang="en-US"/>
+              <a:t>composed music</a:t>
             </a:r>
             <a:endParaRPr lang="en-US" dirty="0"/>
           </a:p>
@@ -3901,7 +3974,7 @@
         </p:spPr>
         <p:txBody>
           <a:bodyPr>
-            <a:normAutofit lnSpcReduction="10000"/>
+            <a:normAutofit fontScale="92500" lnSpcReduction="10000"/>
           </a:bodyPr>
           <a:lstStyle/>
           <a:p>
@@ -3948,8 +4021,15 @@
             <a:pPr lvl="1"/>
             <a:r>
               <a:rPr lang="en-US" dirty="0"/>
-              <a:t>"Fool in the Rain"</a:t>
-            </a:r>
+              <a:t>"Fool in the Rain“: </a:t>
+            </a:r>
+            <a:r>
+              <a:rPr lang="en-CA" dirty="0">
+                <a:hlinkClick r:id="rId2"/>
+              </a:rPr>
+              <a:t>https://www.youtube.com/watch?v=I57nIP0vc44</a:t>
+            </a:r>
+            <a:endParaRPr lang="en-US" dirty="0"/>
           </a:p>
           <a:p>
             <a:pPr lvl="1"/>
@@ -3962,7 +4042,7 @@
             <a:pPr lvl="1"/>
             <a:r>
               <a:rPr lang="en-US" dirty="0">
-                <a:hlinkClick r:id="rId2"/>
+                <a:hlinkClick r:id="rId3"/>
               </a:rPr>
               <a:t>https://www.youtube.com/watch?v=-NoMn5tRlAg</a:t>
             </a:r>
@@ -3992,7 +4072,7 @@
           <p:nvPr/>
         </p:nvPicPr>
         <p:blipFill>
-          <a:blip r:embed="rId3">
+          <a:blip r:embed="rId4">
             <a:extLst>
               <a:ext uri="{28A0092B-C50C-407E-A947-70E740481C1C}">
                 <a14:useLocalDpi xmlns:a14="http://schemas.microsoft.com/office/drawing/2010/main" val="0"/>
@@ -4022,7 +4102,7 @@
           <p:nvPr/>
         </p:nvPicPr>
         <p:blipFill>
-          <a:blip r:embed="rId4" cstate="print">
+          <a:blip r:embed="rId5" cstate="print">
             <a:extLst>
               <a:ext uri="{28A0092B-C50C-407E-A947-70E740481C1C}">
                 <a14:useLocalDpi xmlns:a14="http://schemas.microsoft.com/office/drawing/2010/main" val="0"/>
